--- a/Main Files/Desgin Files/PowerPoint/Design 2.pptx
+++ b/Main Files/Desgin Files/PowerPoint/Design 2.pptx
@@ -259,7 +259,7 @@
           <a:p>
             <a:fld id="{035C0E8B-872C-4584-A123-82F2F0ED5892}" type="datetimeFigureOut">
               <a:rPr lang="en-US" smtClean="0"/>
-              <a:t>10/21/2024</a:t>
+              <a:t>11/27/2024</a:t>
             </a:fld>
             <a:endParaRPr lang="en-US"/>
           </a:p>
@@ -457,7 +457,7 @@
           <a:p>
             <a:fld id="{035C0E8B-872C-4584-A123-82F2F0ED5892}" type="datetimeFigureOut">
               <a:rPr lang="en-US" smtClean="0"/>
-              <a:t>10/21/2024</a:t>
+              <a:t>11/27/2024</a:t>
             </a:fld>
             <a:endParaRPr lang="en-US"/>
           </a:p>
@@ -665,7 +665,7 @@
           <a:p>
             <a:fld id="{035C0E8B-872C-4584-A123-82F2F0ED5892}" type="datetimeFigureOut">
               <a:rPr lang="en-US" smtClean="0"/>
-              <a:t>10/21/2024</a:t>
+              <a:t>11/27/2024</a:t>
             </a:fld>
             <a:endParaRPr lang="en-US"/>
           </a:p>
@@ -863,7 +863,7 @@
           <a:p>
             <a:fld id="{035C0E8B-872C-4584-A123-82F2F0ED5892}" type="datetimeFigureOut">
               <a:rPr lang="en-US" smtClean="0"/>
-              <a:t>10/21/2024</a:t>
+              <a:t>11/27/2024</a:t>
             </a:fld>
             <a:endParaRPr lang="en-US"/>
           </a:p>
@@ -1138,7 +1138,7 @@
           <a:p>
             <a:fld id="{035C0E8B-872C-4584-A123-82F2F0ED5892}" type="datetimeFigureOut">
               <a:rPr lang="en-US" smtClean="0"/>
-              <a:t>10/21/2024</a:t>
+              <a:t>11/27/2024</a:t>
             </a:fld>
             <a:endParaRPr lang="en-US"/>
           </a:p>
@@ -1403,7 +1403,7 @@
           <a:p>
             <a:fld id="{035C0E8B-872C-4584-A123-82F2F0ED5892}" type="datetimeFigureOut">
               <a:rPr lang="en-US" smtClean="0"/>
-              <a:t>10/21/2024</a:t>
+              <a:t>11/27/2024</a:t>
             </a:fld>
             <a:endParaRPr lang="en-US"/>
           </a:p>
@@ -1815,7 +1815,7 @@
           <a:p>
             <a:fld id="{035C0E8B-872C-4584-A123-82F2F0ED5892}" type="datetimeFigureOut">
               <a:rPr lang="en-US" smtClean="0"/>
-              <a:t>10/21/2024</a:t>
+              <a:t>11/27/2024</a:t>
             </a:fld>
             <a:endParaRPr lang="en-US"/>
           </a:p>
@@ -1956,7 +1956,7 @@
           <a:p>
             <a:fld id="{035C0E8B-872C-4584-A123-82F2F0ED5892}" type="datetimeFigureOut">
               <a:rPr lang="en-US" smtClean="0"/>
-              <a:t>10/21/2024</a:t>
+              <a:t>11/27/2024</a:t>
             </a:fld>
             <a:endParaRPr lang="en-US"/>
           </a:p>
@@ -2069,7 +2069,7 @@
           <a:p>
             <a:fld id="{035C0E8B-872C-4584-A123-82F2F0ED5892}" type="datetimeFigureOut">
               <a:rPr lang="en-US" smtClean="0"/>
-              <a:t>10/21/2024</a:t>
+              <a:t>11/27/2024</a:t>
             </a:fld>
             <a:endParaRPr lang="en-US"/>
           </a:p>
@@ -2380,7 +2380,7 @@
           <a:p>
             <a:fld id="{035C0E8B-872C-4584-A123-82F2F0ED5892}" type="datetimeFigureOut">
               <a:rPr lang="en-US" smtClean="0"/>
-              <a:t>10/21/2024</a:t>
+              <a:t>11/27/2024</a:t>
             </a:fld>
             <a:endParaRPr lang="en-US"/>
           </a:p>
@@ -2668,7 +2668,7 @@
           <a:p>
             <a:fld id="{035C0E8B-872C-4584-A123-82F2F0ED5892}" type="datetimeFigureOut">
               <a:rPr lang="en-US" smtClean="0"/>
-              <a:t>10/21/2024</a:t>
+              <a:t>11/27/2024</a:t>
             </a:fld>
             <a:endParaRPr lang="en-US"/>
           </a:p>
@@ -2909,7 +2909,7 @@
           <a:p>
             <a:fld id="{035C0E8B-872C-4584-A123-82F2F0ED5892}" type="datetimeFigureOut">
               <a:rPr lang="en-US" smtClean="0"/>
-              <a:t>10/21/2024</a:t>
+              <a:t>11/27/2024</a:t>
             </a:fld>
             <a:endParaRPr lang="en-US"/>
           </a:p>
@@ -3371,6 +3371,9 @@
           <a:prstGeom prst="ellipse">
             <a:avLst/>
           </a:prstGeom>
+          <a:solidFill>
+            <a:schemeClr val="accent2"/>
+          </a:solidFill>
         </p:spPr>
         <p:style>
           <a:lnRef idx="2">
@@ -3419,10 +3422,9 @@
           <a:lstStyle/>
           <a:p>
             <a:r>
-              <a:rPr lang="en-US"/>
-              <a:t>Design 2</a:t>
-            </a:r>
-            <a:endParaRPr lang="en-US" dirty="0"/>
+              <a:rPr lang="en-US" dirty="0"/>
+              <a:t>(name)</a:t>
+            </a:r>
           </a:p>
         </p:txBody>
       </p:sp>
